--- a/output/presentation.pptx
+++ b/output/presentation.pptx
@@ -16,6 +16,9 @@
     <p:sldId id="264" r:id="rId15"/>
     <p:sldId id="265" r:id="rId16"/>
     <p:sldId id="266" r:id="rId17"/>
+    <p:sldId id="267" r:id="rId18"/>
+    <p:sldId id="268" r:id="rId19"/>
+    <p:sldId id="269" r:id="rId20"/>
   </p:sldIdLst>
   <p:sldSz cx="12188952" cy="6858000" type="screen4x3"/>
   <p:notesSz cx="6858000" cy="9144000"/>
@@ -3175,7 +3178,7 @@
           <a:p>
             <a:r>
               <a:rPr sz="4000" b="1"/>
-              <a:t>Related Works and Conclusion</a:t>
+              <a:t>Related Works</a:t>
             </a:r>
           </a:p>
         </p:txBody>
@@ -3199,147 +3202,14 @@
             <a:pPr/>
             <a:r>
               <a:rPr sz="2400"/>
-              <a:t>Review of retrieval-augmented generation models and research on context characteristics.</a:t>
+              <a:t>Retrieval-Augmented Generation Models</a:t>
             </a:r>
           </a:p>
           <a:p>
             <a:pPr/>
             <a:r>
               <a:rPr sz="2400"/>
-              <a:t>FiD models overfit to context quality during training.</a:t>
-            </a:r>
-          </a:p>
-          <a:p>
-            <a:pPr/>
-            <a:r>
-              <a:rPr sz="2400"/>
-              <a:t>Proposed method effectively mitigates overfitting.</a:t>
-            </a:r>
-          </a:p>
-          <a:p>
-            <a:pPr/>
-            <a:r>
-              <a:rPr sz="2400"/>
-              <a:t>Future work: Explore other tasks, architectures, model sizes, and context characteristics.</a:t>
-            </a:r>
-          </a:p>
-        </p:txBody>
-      </p:sp>
-      <p:sp>
-        <p:nvSpPr>
-          <p:cNvPr id="4" name="Content Placeholder 3"/>
-          <p:cNvSpPr>
-            <a:spLocks noGrp="1"/>
-          </p:cNvSpPr>
-          <p:nvPr>
-            <p:ph idx="2" sz="half"/>
-          </p:nvPr>
-        </p:nvSpPr>
-        <p:spPr/>
-        <p:txBody>
-          <a:bodyPr/>
-          <a:lstStyle/>
-          <a:p/>
-        </p:txBody>
-      </p:sp>
-      <p:pic>
-        <p:nvPicPr>
-          <p:cNvPr id="5" name="Picture 4" descr="docx_image19.png"/>
-          <p:cNvPicPr>
-            <a:picLocks noChangeAspect="1"/>
-          </p:cNvPicPr>
-          <p:nvPr/>
-        </p:nvPicPr>
-        <p:blipFill>
-          <a:blip r:embed="rId2"/>
-          <a:stretch>
-            <a:fillRect/>
-          </a:stretch>
-        </p:blipFill>
-        <p:spPr>
-          <a:xfrm>
-            <a:off x="5025089" y="1600200"/>
-            <a:ext cx="3284822" cy="4525963"/>
-          </a:xfrm>
-          <a:prstGeom prst="rect">
-            <a:avLst/>
-          </a:prstGeom>
-        </p:spPr>
-      </p:pic>
-    </p:spTree>
-  </p:cSld>
-  <p:clrMapOvr>
-    <a:masterClrMapping/>
-  </p:clrMapOvr>
-</p:sld>
-</file>
-
-<file path=ppt/slides/slide11.xml><?xml version="1.0" encoding="utf-8"?>
-<p:sld xmlns:a="http://schemas.openxmlformats.org/drawingml/2006/main" xmlns:p="http://schemas.openxmlformats.org/presentationml/2006/main" xmlns:r="http://schemas.openxmlformats.org/officeDocument/2006/relationships">
-  <p:cSld>
-    <p:spTree>
-      <p:nvGrpSpPr>
-        <p:cNvPr id="1" name=""/>
-        <p:cNvGrpSpPr/>
-        <p:nvPr/>
-      </p:nvGrpSpPr>
-      <p:grpSpPr/>
-      <p:sp>
-        <p:nvSpPr>
-          <p:cNvPr id="2" name="Title 1"/>
-          <p:cNvSpPr>
-            <a:spLocks noGrp="1"/>
-          </p:cNvSpPr>
-          <p:nvPr>
-            <p:ph type="title"/>
-          </p:nvPr>
-        </p:nvSpPr>
-        <p:spPr/>
-        <p:txBody>
-          <a:bodyPr/>
-          <a:lstStyle/>
-          <a:p>
-            <a:r>
-              <a:rPr sz="4000" b="1"/>
-              <a:t>Limitations</a:t>
-            </a:r>
-          </a:p>
-        </p:txBody>
-      </p:sp>
-      <p:sp>
-        <p:nvSpPr>
-          <p:cNvPr id="3" name="Content Placeholder 2"/>
-          <p:cNvSpPr>
-            <a:spLocks noGrp="1"/>
-          </p:cNvSpPr>
-          <p:nvPr>
-            <p:ph idx="1" sz="half"/>
-          </p:nvPr>
-        </p:nvSpPr>
-        <p:spPr/>
-        <p:txBody>
-          <a:bodyPr/>
-          <a:lstStyle/>
-          <a:p/>
-          <a:p>
-            <a:pPr/>
-            <a:r>
-              <a:rPr sz="2400"/>
-              <a:t>Focus on extractive QA, FiD model, t5-base, and limited context characteristics.</a:t>
-            </a:r>
-          </a:p>
-          <a:p>
-            <a:pPr/>
-            <a:r>
-              <a:rPr sz="2400"/>
-              <a:t>Automatic annotation of relevant/irrelevant passages may affect accuracy.</a:t>
-            </a:r>
-          </a:p>
-          <a:p>
-            <a:pPr/>
-            <a:r>
-              <a:rPr sz="2400"/>
-              <a:t>Qualitative factors like readability not considered.</a:t>
+              <a:t>Effect of Context Characteristics on Retrieval-Augmented Models</a:t>
             </a:r>
           </a:p>
         </p:txBody>
@@ -3393,6 +3263,496 @@
 </p:sld>
 </file>
 
+<file path=ppt/slides/slide11.xml><?xml version="1.0" encoding="utf-8"?>
+<p:sld xmlns:a="http://schemas.openxmlformats.org/drawingml/2006/main" xmlns:p="http://schemas.openxmlformats.org/presentationml/2006/main" xmlns:r="http://schemas.openxmlformats.org/officeDocument/2006/relationships">
+  <p:cSld>
+    <p:spTree>
+      <p:nvGrpSpPr>
+        <p:cNvPr id="1" name=""/>
+        <p:cNvGrpSpPr/>
+        <p:nvPr/>
+      </p:nvGrpSpPr>
+      <p:grpSpPr/>
+      <p:sp>
+        <p:nvSpPr>
+          <p:cNvPr id="2" name="Title 1"/>
+          <p:cNvSpPr>
+            <a:spLocks noGrp="1"/>
+          </p:cNvSpPr>
+          <p:nvPr>
+            <p:ph type="title"/>
+          </p:nvPr>
+        </p:nvSpPr>
+        <p:spPr/>
+        <p:txBody>
+          <a:bodyPr/>
+          <a:lstStyle/>
+          <a:p>
+            <a:r>
+              <a:rPr sz="4000" b="1"/>
+              <a:t>Conclusion and Future Work</a:t>
+            </a:r>
+          </a:p>
+        </p:txBody>
+      </p:sp>
+      <p:sp>
+        <p:nvSpPr>
+          <p:cNvPr id="3" name="Content Placeholder 2"/>
+          <p:cNvSpPr>
+            <a:spLocks noGrp="1"/>
+          </p:cNvSpPr>
+          <p:nvPr>
+            <p:ph idx="1" sz="half"/>
+          </p:nvPr>
+        </p:nvSpPr>
+        <p:spPr/>
+        <p:txBody>
+          <a:bodyPr/>
+          <a:lstStyle/>
+          <a:p/>
+          <a:p>
+            <a:pPr/>
+            <a:r>
+              <a:rPr sz="2400"/>
+              <a:t>Context Quality Significantly Impacts FiD Model Training</a:t>
+            </a:r>
+          </a:p>
+          <a:p>
+            <a:pPr/>
+            <a:r>
+              <a:rPr sz="2400"/>
+              <a:t>Overfitting to Context Quality Explained by Cross-Attention Patterns</a:t>
+            </a:r>
+          </a:p>
+          <a:p>
+            <a:pPr/>
+            <a:r>
+              <a:rPr sz="2400"/>
+              <a:t>Proposed Method Effectively Mitigates Overfitting</a:t>
+            </a:r>
+          </a:p>
+          <a:p>
+            <a:pPr/>
+            <a:r>
+              <a:rPr sz="2400"/>
+              <a:t>Future Directions: More sophisticated adaptation methods, other tasks and architectures</a:t>
+            </a:r>
+          </a:p>
+        </p:txBody>
+      </p:sp>
+      <p:sp>
+        <p:nvSpPr>
+          <p:cNvPr id="4" name="Content Placeholder 3"/>
+          <p:cNvSpPr>
+            <a:spLocks noGrp="1"/>
+          </p:cNvSpPr>
+          <p:nvPr>
+            <p:ph idx="2" sz="half"/>
+          </p:nvPr>
+        </p:nvSpPr>
+        <p:spPr/>
+        <p:txBody>
+          <a:bodyPr/>
+          <a:lstStyle/>
+          <a:p/>
+        </p:txBody>
+      </p:sp>
+      <p:pic>
+        <p:nvPicPr>
+          <p:cNvPr id="5" name="Picture 4" descr="docx_image65.png"/>
+          <p:cNvPicPr>
+            <a:picLocks noChangeAspect="1"/>
+          </p:cNvPicPr>
+          <p:nvPr/>
+        </p:nvPicPr>
+        <p:blipFill>
+          <a:blip r:embed="rId2"/>
+          <a:stretch>
+            <a:fillRect/>
+          </a:stretch>
+        </p:blipFill>
+        <p:spPr>
+          <a:xfrm>
+            <a:off x="4648200" y="2668910"/>
+            <a:ext cx="4038600" cy="2388543"/>
+          </a:xfrm>
+          <a:prstGeom prst="rect">
+            <a:avLst/>
+          </a:prstGeom>
+        </p:spPr>
+      </p:pic>
+    </p:spTree>
+  </p:cSld>
+  <p:clrMapOvr>
+    <a:masterClrMapping/>
+  </p:clrMapOvr>
+</p:sld>
+</file>
+
+<file path=ppt/slides/slide12.xml><?xml version="1.0" encoding="utf-8"?>
+<p:sld xmlns:a="http://schemas.openxmlformats.org/drawingml/2006/main" xmlns:p="http://schemas.openxmlformats.org/presentationml/2006/main" xmlns:r="http://schemas.openxmlformats.org/officeDocument/2006/relationships">
+  <p:cSld>
+    <p:spTree>
+      <p:nvGrpSpPr>
+        <p:cNvPr id="1" name=""/>
+        <p:cNvGrpSpPr/>
+        <p:nvPr/>
+      </p:nvGrpSpPr>
+      <p:grpSpPr/>
+      <p:sp>
+        <p:nvSpPr>
+          <p:cNvPr id="2" name="Title 1"/>
+          <p:cNvSpPr>
+            <a:spLocks noGrp="1"/>
+          </p:cNvSpPr>
+          <p:nvPr>
+            <p:ph type="title"/>
+          </p:nvPr>
+        </p:nvSpPr>
+        <p:spPr/>
+        <p:txBody>
+          <a:bodyPr/>
+          <a:lstStyle/>
+          <a:p>
+            <a:r>
+              <a:rPr sz="4000" b="1"/>
+              <a:t>Limitations</a:t>
+            </a:r>
+          </a:p>
+        </p:txBody>
+      </p:sp>
+      <p:sp>
+        <p:nvSpPr>
+          <p:cNvPr id="3" name="Content Placeholder 2"/>
+          <p:cNvSpPr>
+            <a:spLocks noGrp="1"/>
+          </p:cNvSpPr>
+          <p:nvPr>
+            <p:ph idx="1" sz="half"/>
+          </p:nvPr>
+        </p:nvSpPr>
+        <p:spPr/>
+        <p:txBody>
+          <a:bodyPr/>
+          <a:lstStyle/>
+          <a:p/>
+          <a:p>
+            <a:pPr/>
+            <a:r>
+              <a:rPr sz="2400"/>
+              <a:t>Task Specificity</a:t>
+            </a:r>
+          </a:p>
+          <a:p>
+            <a:pPr/>
+            <a:r>
+              <a:rPr sz="2400"/>
+              <a:t>Model Architecture</a:t>
+            </a:r>
+          </a:p>
+          <a:p>
+            <a:pPr/>
+            <a:r>
+              <a:rPr sz="2400"/>
+              <a:t>Model Size</a:t>
+            </a:r>
+          </a:p>
+          <a:p>
+            <a:pPr/>
+            <a:r>
+              <a:rPr sz="2400"/>
+              <a:t>Context Characteristic Coverage</a:t>
+            </a:r>
+          </a:p>
+          <a:p>
+            <a:pPr/>
+            <a:r>
+              <a:rPr sz="2400"/>
+              <a:t>Automatic Annotation of Relevant/Irrelevant Passages</a:t>
+            </a:r>
+          </a:p>
+        </p:txBody>
+      </p:sp>
+      <p:sp>
+        <p:nvSpPr>
+          <p:cNvPr id="4" name="Content Placeholder 3"/>
+          <p:cNvSpPr>
+            <a:spLocks noGrp="1"/>
+          </p:cNvSpPr>
+          <p:nvPr>
+            <p:ph idx="2" sz="half"/>
+          </p:nvPr>
+        </p:nvSpPr>
+        <p:spPr/>
+        <p:txBody>
+          <a:bodyPr/>
+          <a:lstStyle/>
+          <a:p/>
+        </p:txBody>
+      </p:sp>
+      <p:pic>
+        <p:nvPicPr>
+          <p:cNvPr id="5" name="Picture 4" descr="docx_image66.png"/>
+          <p:cNvPicPr>
+            <a:picLocks noChangeAspect="1"/>
+          </p:cNvPicPr>
+          <p:nvPr/>
+        </p:nvPicPr>
+        <p:blipFill>
+          <a:blip r:embed="rId2"/>
+          <a:stretch>
+            <a:fillRect/>
+          </a:stretch>
+        </p:blipFill>
+        <p:spPr>
+          <a:xfrm>
+            <a:off x="4648200" y="2665488"/>
+            <a:ext cx="4038600" cy="2395387"/>
+          </a:xfrm>
+          <a:prstGeom prst="rect">
+            <a:avLst/>
+          </a:prstGeom>
+        </p:spPr>
+      </p:pic>
+    </p:spTree>
+  </p:cSld>
+  <p:clrMapOvr>
+    <a:masterClrMapping/>
+  </p:clrMapOvr>
+</p:sld>
+</file>
+
+<file path=ppt/slides/slide13.xml><?xml version="1.0" encoding="utf-8"?>
+<p:sld xmlns:a="http://schemas.openxmlformats.org/drawingml/2006/main" xmlns:p="http://schemas.openxmlformats.org/presentationml/2006/main" xmlns:r="http://schemas.openxmlformats.org/officeDocument/2006/relationships">
+  <p:cSld>
+    <p:spTree>
+      <p:nvGrpSpPr>
+        <p:cNvPr id="1" name=""/>
+        <p:cNvGrpSpPr/>
+        <p:nvPr/>
+      </p:nvGrpSpPr>
+      <p:grpSpPr/>
+      <p:sp>
+        <p:nvSpPr>
+          <p:cNvPr id="2" name="Title 1"/>
+          <p:cNvSpPr>
+            <a:spLocks noGrp="1"/>
+          </p:cNvSpPr>
+          <p:nvPr>
+            <p:ph type="title"/>
+          </p:nvPr>
+        </p:nvSpPr>
+        <p:spPr/>
+        <p:txBody>
+          <a:bodyPr/>
+          <a:lstStyle/>
+          <a:p>
+            <a:r>
+              <a:rPr sz="4000" b="1"/>
+              <a:t>References</a:t>
+            </a:r>
+          </a:p>
+        </p:txBody>
+      </p:sp>
+      <p:sp>
+        <p:nvSpPr>
+          <p:cNvPr id="3" name="Content Placeholder 2"/>
+          <p:cNvSpPr>
+            <a:spLocks noGrp="1"/>
+          </p:cNvSpPr>
+          <p:nvPr>
+            <p:ph idx="1" sz="half"/>
+          </p:nvPr>
+        </p:nvSpPr>
+        <p:spPr/>
+        <p:txBody>
+          <a:bodyPr/>
+          <a:lstStyle/>
+          <a:p/>
+        </p:txBody>
+      </p:sp>
+      <p:sp>
+        <p:nvSpPr>
+          <p:cNvPr id="4" name="Content Placeholder 3"/>
+          <p:cNvSpPr>
+            <a:spLocks noGrp="1"/>
+          </p:cNvSpPr>
+          <p:nvPr>
+            <p:ph idx="2" sz="half"/>
+          </p:nvPr>
+        </p:nvSpPr>
+        <p:spPr/>
+        <p:txBody>
+          <a:bodyPr/>
+          <a:lstStyle/>
+          <a:p/>
+        </p:txBody>
+      </p:sp>
+      <p:pic>
+        <p:nvPicPr>
+          <p:cNvPr id="5" name="Picture 4" descr="docx_image67.png"/>
+          <p:cNvPicPr>
+            <a:picLocks noChangeAspect="1"/>
+          </p:cNvPicPr>
+          <p:nvPr/>
+        </p:nvPicPr>
+        <p:blipFill>
+          <a:blip r:embed="rId2"/>
+          <a:stretch>
+            <a:fillRect/>
+          </a:stretch>
+        </p:blipFill>
+        <p:spPr>
+          <a:xfrm>
+            <a:off x="4648200" y="2774240"/>
+            <a:ext cx="4038600" cy="2177883"/>
+          </a:xfrm>
+          <a:prstGeom prst="rect">
+            <a:avLst/>
+          </a:prstGeom>
+        </p:spPr>
+      </p:pic>
+    </p:spTree>
+  </p:cSld>
+  <p:clrMapOvr>
+    <a:masterClrMapping/>
+  </p:clrMapOvr>
+</p:sld>
+</file>
+
+<file path=ppt/slides/slide14.xml><?xml version="1.0" encoding="utf-8"?>
+<p:sld xmlns:a="http://schemas.openxmlformats.org/drawingml/2006/main" xmlns:p="http://schemas.openxmlformats.org/presentationml/2006/main" xmlns:r="http://schemas.openxmlformats.org/officeDocument/2006/relationships">
+  <p:cSld>
+    <p:spTree>
+      <p:nvGrpSpPr>
+        <p:cNvPr id="1" name=""/>
+        <p:cNvGrpSpPr/>
+        <p:nvPr/>
+      </p:nvGrpSpPr>
+      <p:grpSpPr/>
+      <p:sp>
+        <p:nvSpPr>
+          <p:cNvPr id="2" name="Title 1"/>
+          <p:cNvSpPr>
+            <a:spLocks noGrp="1"/>
+          </p:cNvSpPr>
+          <p:nvPr>
+            <p:ph type="title"/>
+          </p:nvPr>
+        </p:nvSpPr>
+        <p:spPr/>
+        <p:txBody>
+          <a:bodyPr/>
+          <a:lstStyle/>
+          <a:p>
+            <a:r>
+              <a:rPr sz="4000" b="1"/>
+              <a:t>Appendix: Implementation Details</a:t>
+            </a:r>
+          </a:p>
+        </p:txBody>
+      </p:sp>
+      <p:sp>
+        <p:nvSpPr>
+          <p:cNvPr id="3" name="Content Placeholder 2"/>
+          <p:cNvSpPr>
+            <a:spLocks noGrp="1"/>
+          </p:cNvSpPr>
+          <p:nvPr>
+            <p:ph idx="1" sz="half"/>
+          </p:nvPr>
+        </p:nvSpPr>
+        <p:spPr/>
+        <p:txBody>
+          <a:bodyPr/>
+          <a:lstStyle/>
+          <a:p/>
+          <a:p>
+            <a:pPr/>
+            <a:r>
+              <a:rPr sz="2400"/>
+              <a:t>Training and Evaluation Data</a:t>
+            </a:r>
+          </a:p>
+          <a:p>
+            <a:pPr/>
+            <a:r>
+              <a:rPr sz="2400"/>
+              <a:t>FiD Training and Inference</a:t>
+            </a:r>
+          </a:p>
+          <a:p>
+            <a:pPr/>
+            <a:r>
+              <a:rPr sz="2400"/>
+              <a:t>Experimental Design</a:t>
+            </a:r>
+          </a:p>
+          <a:p>
+            <a:pPr/>
+            <a:r>
+              <a:rPr sz="2400"/>
+              <a:t>Passage Relevance Annotation</a:t>
+            </a:r>
+          </a:p>
+          <a:p>
+            <a:pPr/>
+            <a:r>
+              <a:rPr sz="2400"/>
+              <a:t>Full Experimental Results</a:t>
+            </a:r>
+          </a:p>
+        </p:txBody>
+      </p:sp>
+      <p:sp>
+        <p:nvSpPr>
+          <p:cNvPr id="4" name="Content Placeholder 3"/>
+          <p:cNvSpPr>
+            <a:spLocks noGrp="1"/>
+          </p:cNvSpPr>
+          <p:nvPr>
+            <p:ph idx="2" sz="half"/>
+          </p:nvPr>
+        </p:nvSpPr>
+        <p:spPr/>
+        <p:txBody>
+          <a:bodyPr/>
+          <a:lstStyle/>
+          <a:p/>
+        </p:txBody>
+      </p:sp>
+      <p:pic>
+        <p:nvPicPr>
+          <p:cNvPr id="5" name="Picture 4" descr="docx_image68.png"/>
+          <p:cNvPicPr>
+            <a:picLocks noChangeAspect="1"/>
+          </p:cNvPicPr>
+          <p:nvPr/>
+        </p:nvPicPr>
+        <p:blipFill>
+          <a:blip r:embed="rId2"/>
+          <a:stretch>
+            <a:fillRect/>
+          </a:stretch>
+        </p:blipFill>
+        <p:spPr>
+          <a:xfrm>
+            <a:off x="4648200" y="2674679"/>
+            <a:ext cx="4038600" cy="2377004"/>
+          </a:xfrm>
+          <a:prstGeom prst="rect">
+            <a:avLst/>
+          </a:prstGeom>
+        </p:spPr>
+      </p:pic>
+    </p:spTree>
+  </p:cSld>
+  <p:clrMapOvr>
+    <a:masterClrMapping/>
+  </p:clrMapOvr>
+</p:sld>
+</file>
+
 <file path=ppt/slides/slide2.xml><?xml version="1.0" encoding="utf-8"?>
 <p:sld xmlns:a="http://schemas.openxmlformats.org/drawingml/2006/main" xmlns:p="http://schemas.openxmlformats.org/presentationml/2006/main" xmlns:r="http://schemas.openxmlformats.org/officeDocument/2006/relationships">
   <p:cSld>
@@ -3420,7 +3780,7 @@
           <a:p>
             <a:r>
               <a:rPr sz="4000" b="1"/>
-              <a:t>Introduction: Challenges and Retrieval-Augmented Generation</a:t>
+              <a:t>Introduction: The Challenge of Hallucinations</a:t>
             </a:r>
           </a:p>
         </p:txBody>
@@ -3444,28 +3804,28 @@
             <a:pPr/>
             <a:r>
               <a:rPr sz="2400"/>
-              <a:t>Large language models prone to hallucinations and limitations with new information.</a:t>
+              <a:t>Large Language Models (LLMs) and Hallucinations</a:t>
             </a:r>
           </a:p>
           <a:p>
             <a:pPr/>
             <a:r>
               <a:rPr sz="2400"/>
-              <a:t>Retrieval-augmented models address these challenges by incorporating external knowledge.</a:t>
+              <a:t>Retrieval-Augmented Generation (RAG) as a Solution</a:t>
             </a:r>
           </a:p>
           <a:p>
             <a:pPr/>
             <a:r>
               <a:rPr sz="2400"/>
-              <a:t>Context quantity and quality impact model performance during inference.</a:t>
+              <a:t>Context Quantity and Quality: Impact on Inference</a:t>
             </a:r>
           </a:p>
           <a:p>
             <a:pPr/>
             <a:r>
               <a:rPr sz="2400"/>
-              <a:t>Limited research on how context characteristics affect model training.</a:t>
+              <a:t>Research Gap: Impact on Training</a:t>
             </a:r>
           </a:p>
         </p:txBody>
@@ -3546,7 +3906,7 @@
           <a:p>
             <a:r>
               <a:rPr sz="4000" b="1"/>
-              <a:t>Experimental Setup: Task, Model, and Context Definitions</a:t>
+              <a:t>Experimental Setup</a:t>
             </a:r>
           </a:p>
         </p:txBody>
@@ -3570,28 +3930,28 @@
             <a:pPr/>
             <a:r>
               <a:rPr sz="2400"/>
-              <a:t>Extractive open-domain question answering task.</a:t>
+              <a:t>Task: Extractive Open-Domain Question Answering</a:t>
             </a:r>
           </a:p>
           <a:p>
             <a:pPr/>
             <a:r>
               <a:rPr sz="2400"/>
-              <a:t>FiD model architecture (state-of-the-art retrieval-augmented generation model).</a:t>
+              <a:t>Datasets: Natural Questions, TriviaQA</a:t>
             </a:r>
           </a:p>
           <a:p>
             <a:pPr/>
             <a:r>
               <a:rPr sz="2400"/>
-              <a:t>Context quality: Proportion of relevant passages.</a:t>
+              <a:t>Model: Fusion-in-Decoder (FiD)</a:t>
             </a:r>
           </a:p>
           <a:p>
             <a:pPr/>
             <a:r>
               <a:rPr sz="2400"/>
-              <a:t>Context quantity: Number of passages.</a:t>
+              <a:t>Context Quality and Quantity Definitions</a:t>
             </a:r>
           </a:p>
         </p:txBody>
@@ -3672,7 +4032,7 @@
           <a:p>
             <a:r>
               <a:rPr sz="4000" b="1"/>
-              <a:t>Effect of Context Quality During Training</a:t>
+              <a:t>Effect of Context Quality during Training</a:t>
             </a:r>
           </a:p>
         </p:txBody>
@@ -3696,21 +4056,21 @@
             <a:pPr/>
             <a:r>
               <a:rPr sz="2400"/>
-              <a:t>FiD models overfit to training context quality.</a:t>
+              <a:t>Experimental Setting: Varying Training Context Quality</a:t>
             </a:r>
           </a:p>
           <a:p>
             <a:pPr/>
             <a:r>
               <a:rPr sz="2400"/>
-              <a:t>Performance degrades when evaluated on different context quality (Figure 1).</a:t>
+              <a:t>Results: Overfitting to Training Context Quality (Figure 1)</a:t>
             </a:r>
           </a:p>
           <a:p>
             <a:pPr/>
             <a:r>
               <a:rPr sz="2400"/>
-              <a:t>Context quantity has a negligible impact compared to quality.</a:t>
+              <a:t>Insight: Suboptimal Performance on Different Context Quality</a:t>
             </a:r>
           </a:p>
         </p:txBody>
@@ -3791,7 +4151,7 @@
           <a:p>
             <a:r>
               <a:rPr sz="4000" b="1"/>
-              <a:t>Effect of Context Quantity During Training</a:t>
+              <a:t>Effect of Context Quantity during Training</a:t>
             </a:r>
           </a:p>
         </p:txBody>
@@ -3815,21 +4175,21 @@
             <a:pPr/>
             <a:r>
               <a:rPr sz="2400"/>
-              <a:t>Context quantity's influence is less significant than context quality.</a:t>
+              <a:t>Experimental Setting: Varying Training Context Quantity</a:t>
             </a:r>
           </a:p>
           <a:p>
             <a:pPr/>
             <a:r>
               <a:rPr sz="2400"/>
-              <a:t>More significant influence observed for higher context quality and smaller context quantities (Figure 2).</a:t>
+              <a:t>Results: Less Significant Impact than Context Quality (Figure 2)</a:t>
             </a:r>
           </a:p>
           <a:p>
             <a:pPr/>
             <a:r>
               <a:rPr sz="2400"/>
-              <a:t>No consistent trend observed in performance changes due to varying quantity.</a:t>
+              <a:t>Insight: Context Quantity's Influence is Relatively Insignificant</a:t>
             </a:r>
           </a:p>
         </p:txBody>
@@ -3910,7 +4270,7 @@
           <a:p>
             <a:r>
               <a:rPr sz="4000" b="1"/>
-              <a:t>Effect of Mixed Context Quality During Training</a:t>
+              <a:t>Effect of Mixed Context Quality during Training</a:t>
             </a:r>
           </a:p>
         </p:txBody>
@@ -3934,14 +4294,21 @@
             <a:pPr/>
             <a:r>
               <a:rPr sz="2400"/>
-              <a:t>Models overfit to the distribution of context qualities.</a:t>
+              <a:t>Experimental Setting: Mixed Context Qualities</a:t>
             </a:r>
           </a:p>
           <a:p>
             <a:pPr/>
             <a:r>
               <a:rPr sz="2400"/>
-              <a:t>Optimal performance requires consistent context quality distribution between training and evaluation (Table 1).</a:t>
+              <a:t>Results: Overfitting to Distribution of Context Qualities (Table 1)</a:t>
+            </a:r>
+          </a:p>
+          <a:p>
+            <a:pPr/>
+            <a:r>
+              <a:rPr sz="2400"/>
+              <a:t>Insight: Distribution of Context Qualities Matters</a:t>
             </a:r>
           </a:p>
         </p:txBody>
@@ -4046,133 +4413,21 @@
             <a:pPr/>
             <a:r>
               <a:rPr sz="2400"/>
-              <a:t>FiD models trained with different context qualities exhibit different cross-attention patterns.</a:t>
+              <a:t>Hypothesis: Overfitting due to Changes in Passage Selection</a:t>
             </a:r>
           </a:p>
           <a:p>
             <a:pPr/>
             <a:r>
               <a:rPr sz="2400"/>
-              <a:t>Lower training quality leads to more selective attention to relevant passages (Table 2, Figure 3).</a:t>
+              <a:t>Analysis: Cross-Attention Probability Distribution (Table 2, Figure 3)</a:t>
             </a:r>
           </a:p>
           <a:p>
             <a:pPr/>
             <a:r>
               <a:rPr sz="2400"/>
-              <a:t>Higher training quality results in more uniform attention distribution.</a:t>
-            </a:r>
-          </a:p>
-        </p:txBody>
-      </p:sp>
-      <p:sp>
-        <p:nvSpPr>
-          <p:cNvPr id="4" name="Content Placeholder 3"/>
-          <p:cNvSpPr>
-            <a:spLocks noGrp="1"/>
-          </p:cNvSpPr>
-          <p:nvPr>
-            <p:ph idx="2" sz="half"/>
-          </p:nvPr>
-        </p:nvSpPr>
-        <p:spPr/>
-        <p:txBody>
-          <a:bodyPr/>
-          <a:lstStyle/>
-          <a:p/>
-        </p:txBody>
-      </p:sp>
-      <p:pic>
-        <p:nvPicPr>
-          <p:cNvPr id="5" name="Picture 4" descr="docx_image73.png"/>
-          <p:cNvPicPr>
-            <a:picLocks noChangeAspect="1"/>
-          </p:cNvPicPr>
-          <p:nvPr/>
-        </p:nvPicPr>
-        <p:blipFill>
-          <a:blip r:embed="rId2"/>
-          <a:stretch>
-            <a:fillRect/>
-          </a:stretch>
-        </p:blipFill>
-        <p:spPr>
-          <a:xfrm>
-            <a:off x="4648200" y="2768953"/>
-            <a:ext cx="4038600" cy="2188456"/>
-          </a:xfrm>
-          <a:prstGeom prst="rect">
-            <a:avLst/>
-          </a:prstGeom>
-        </p:spPr>
-      </p:pic>
-    </p:spTree>
-  </p:cSld>
-  <p:clrMapOvr>
-    <a:masterClrMapping/>
-  </p:clrMapOvr>
-</p:sld>
-</file>
-
-<file path=ppt/slides/slide8.xml><?xml version="1.0" encoding="utf-8"?>
-<p:sld xmlns:a="http://schemas.openxmlformats.org/drawingml/2006/main" xmlns:p="http://schemas.openxmlformats.org/presentationml/2006/main" xmlns:r="http://schemas.openxmlformats.org/officeDocument/2006/relationships">
-  <p:cSld>
-    <p:spTree>
-      <p:nvGrpSpPr>
-        <p:cNvPr id="1" name=""/>
-        <p:cNvGrpSpPr/>
-        <p:nvPr/>
-      </p:nvGrpSpPr>
-      <p:grpSpPr/>
-      <p:sp>
-        <p:nvSpPr>
-          <p:cNvPr id="2" name="Title 1"/>
-          <p:cNvSpPr>
-            <a:spLocks noGrp="1"/>
-          </p:cNvSpPr>
-          <p:nvPr>
-            <p:ph type="title"/>
-          </p:nvPr>
-        </p:nvSpPr>
-        <p:spPr/>
-        <p:txBody>
-          <a:bodyPr/>
-          <a:lstStyle/>
-          <a:p>
-            <a:r>
-              <a:rPr sz="4000" b="1"/>
-              <a:t>Intervention Experiment: Manipulating Cross-Attention</a:t>
-            </a:r>
-          </a:p>
-        </p:txBody>
-      </p:sp>
-      <p:sp>
-        <p:nvSpPr>
-          <p:cNvPr id="3" name="Content Placeholder 2"/>
-          <p:cNvSpPr>
-            <a:spLocks noGrp="1"/>
-          </p:cNvSpPr>
-          <p:nvPr>
-            <p:ph idx="1" sz="half"/>
-          </p:nvPr>
-        </p:nvSpPr>
-        <p:spPr/>
-        <p:txBody>
-          <a:bodyPr/>
-          <a:lstStyle/>
-          <a:p/>
-          <a:p>
-            <a:pPr/>
-            <a:r>
-              <a:rPr sz="2400"/>
-              <a:t>Intervention on cross-attention probability mitigates the overfitting effect.</a:t>
-            </a:r>
-          </a:p>
-          <a:p>
-            <a:pPr/>
-            <a:r>
-              <a:rPr sz="2400"/>
-              <a:t>Adjusting the ratio of attention to relevant/irrelevant passages improves performance (Figure 4).</a:t>
+              <a:t>Insight: Models trained with lower quality attend more selectively</a:t>
             </a:r>
           </a:p>
         </p:txBody>
@@ -4226,7 +4481,7 @@
 </p:sld>
 </file>
 
-<file path=ppt/slides/slide9.xml><?xml version="1.0" encoding="utf-8"?>
+<file path=ppt/slides/slide8.xml><?xml version="1.0" encoding="utf-8"?>
 <p:sld xmlns:a="http://schemas.openxmlformats.org/drawingml/2006/main" xmlns:p="http://schemas.openxmlformats.org/presentationml/2006/main" xmlns:r="http://schemas.openxmlformats.org/officeDocument/2006/relationships">
   <p:cSld>
     <p:spTree>
@@ -4253,7 +4508,7 @@
           <a:p>
             <a:r>
               <a:rPr sz="4000" b="1"/>
-              <a:t>Adapting Models to Different Context Quality</a:t>
+              <a:t>Intervention Experiment</a:t>
             </a:r>
           </a:p>
         </p:txBody>
@@ -4277,14 +4532,21 @@
             <a:pPr/>
             <a:r>
               <a:rPr sz="2400"/>
-              <a:t>Proposed method: Introduce temperature parameter to control cross-attention distribution.</a:t>
+              <a:t>Experimental Setting: Intervening on Cross-Attention Probability</a:t>
             </a:r>
           </a:p>
           <a:p>
             <a:pPr/>
             <a:r>
               <a:rPr sz="2400"/>
-              <a:t>Effective in improving performance in environments with different context quality (Figure 5).</a:t>
+              <a:t>Results: Mitigating Overfitting Effects (Figure 4)</a:t>
+            </a:r>
+          </a:p>
+          <a:p>
+            <a:pPr/>
+            <a:r>
+              <a:rPr sz="2400"/>
+              <a:t>Insight: Cross-attention Selectivity Explains Overfitting</a:t>
             </a:r>
           </a:p>
         </p:txBody>
@@ -4324,6 +4586,132 @@
           <a:xfrm>
             <a:off x="4648200" y="1999497"/>
             <a:ext cx="4038600" cy="3727368"/>
+          </a:xfrm>
+          <a:prstGeom prst="rect">
+            <a:avLst/>
+          </a:prstGeom>
+        </p:spPr>
+      </p:pic>
+    </p:spTree>
+  </p:cSld>
+  <p:clrMapOvr>
+    <a:masterClrMapping/>
+  </p:clrMapOvr>
+</p:sld>
+</file>
+
+<file path=ppt/slides/slide9.xml><?xml version="1.0" encoding="utf-8"?>
+<p:sld xmlns:a="http://schemas.openxmlformats.org/drawingml/2006/main" xmlns:p="http://schemas.openxmlformats.org/presentationml/2006/main" xmlns:r="http://schemas.openxmlformats.org/officeDocument/2006/relationships">
+  <p:cSld>
+    <p:spTree>
+      <p:nvGrpSpPr>
+        <p:cNvPr id="1" name=""/>
+        <p:cNvGrpSpPr/>
+        <p:nvPr/>
+      </p:nvGrpSpPr>
+      <p:grpSpPr/>
+      <p:sp>
+        <p:nvSpPr>
+          <p:cNvPr id="2" name="Title 1"/>
+          <p:cNvSpPr>
+            <a:spLocks noGrp="1"/>
+          </p:cNvSpPr>
+          <p:nvPr>
+            <p:ph type="title"/>
+          </p:nvPr>
+        </p:nvSpPr>
+        <p:spPr/>
+        <p:txBody>
+          <a:bodyPr/>
+          <a:lstStyle/>
+          <a:p>
+            <a:r>
+              <a:rPr sz="4000" b="1"/>
+              <a:t>Adapting Models to Different Context Quality</a:t>
+            </a:r>
+          </a:p>
+        </p:txBody>
+      </p:sp>
+      <p:sp>
+        <p:nvSpPr>
+          <p:cNvPr id="3" name="Content Placeholder 2"/>
+          <p:cNvSpPr>
+            <a:spLocks noGrp="1"/>
+          </p:cNvSpPr>
+          <p:nvPr>
+            <p:ph idx="1" sz="half"/>
+          </p:nvPr>
+        </p:nvSpPr>
+        <p:spPr/>
+        <p:txBody>
+          <a:bodyPr/>
+          <a:lstStyle/>
+          <a:p/>
+          <a:p>
+            <a:pPr/>
+            <a:r>
+              <a:rPr sz="2400"/>
+              <a:t>Proposed Method: Adjusting Cross-Attention Selectivity with Temperature Parameter</a:t>
+            </a:r>
+          </a:p>
+          <a:p>
+            <a:pPr/>
+            <a:r>
+              <a:rPr sz="2400"/>
+              <a:t>Experimental Setting: 2-fold Cross-Validation</a:t>
+            </a:r>
+          </a:p>
+          <a:p>
+            <a:pPr/>
+            <a:r>
+              <a:rPr sz="2400"/>
+              <a:t>Results: Improved Performance Across Different Context Qualities (Figure 5)</a:t>
+            </a:r>
+          </a:p>
+          <a:p>
+            <a:pPr/>
+            <a:r>
+              <a:rPr sz="2400"/>
+              <a:t>Insight: Effective Adaptation without Retraining</a:t>
+            </a:r>
+          </a:p>
+        </p:txBody>
+      </p:sp>
+      <p:sp>
+        <p:nvSpPr>
+          <p:cNvPr id="4" name="Content Placeholder 3"/>
+          <p:cNvSpPr>
+            <a:spLocks noGrp="1"/>
+          </p:cNvSpPr>
+          <p:nvPr>
+            <p:ph idx="2" sz="half"/>
+          </p:nvPr>
+        </p:nvSpPr>
+        <p:spPr/>
+        <p:txBody>
+          <a:bodyPr/>
+          <a:lstStyle/>
+          <a:p/>
+        </p:txBody>
+      </p:sp>
+      <p:pic>
+        <p:nvPicPr>
+          <p:cNvPr id="5" name="Picture 4" descr="docx_image19.png"/>
+          <p:cNvPicPr>
+            <a:picLocks noChangeAspect="1"/>
+          </p:cNvPicPr>
+          <p:nvPr/>
+        </p:nvPicPr>
+        <p:blipFill>
+          <a:blip r:embed="rId2"/>
+          <a:stretch>
+            <a:fillRect/>
+          </a:stretch>
+        </p:blipFill>
+        <p:spPr>
+          <a:xfrm>
+            <a:off x="5025089" y="1600200"/>
+            <a:ext cx="3284822" cy="4525963"/>
           </a:xfrm>
           <a:prstGeom prst="rect">
             <a:avLst/>
